--- a/ppt 16-9/1262.主日学校歌.pptx
+++ b/ppt 16-9/1262.主日学校歌.pptx
@@ -129,7 +129,7 @@
           <p:cNvPr id="2" name="标题 1">
             <a:extLst>
               <a:ext uri="{FF2B5EF4-FFF2-40B4-BE49-F238E27FC236}">
-                <a16:creationId xmlns:a16="http://schemas.microsoft.com/office/drawing/2014/main" id="{9D828258-F37F-F698-587D-939D35FC76A4}"/>
+                <a16:creationId xmlns:a16="http://schemas.microsoft.com/office/drawing/2014/main" id="{47256311-A0B8-C5CE-8BD4-5CE7D8D5EC4C}"/>
               </a:ext>
             </a:extLst>
           </p:cNvPr>
@@ -166,7 +166,7 @@
           <p:cNvPr id="3" name="副标题 2">
             <a:extLst>
               <a:ext uri="{FF2B5EF4-FFF2-40B4-BE49-F238E27FC236}">
-                <a16:creationId xmlns:a16="http://schemas.microsoft.com/office/drawing/2014/main" id="{21B5C588-DC9B-211D-0F7B-6CCCE45494A8}"/>
+                <a16:creationId xmlns:a16="http://schemas.microsoft.com/office/drawing/2014/main" id="{5C5DD0F3-6E44-2E05-5596-EB1A4D31CB8B}"/>
               </a:ext>
             </a:extLst>
           </p:cNvPr>
@@ -236,7 +236,7 @@
           <p:cNvPr id="4" name="日期占位符 3">
             <a:extLst>
               <a:ext uri="{FF2B5EF4-FFF2-40B4-BE49-F238E27FC236}">
-                <a16:creationId xmlns:a16="http://schemas.microsoft.com/office/drawing/2014/main" id="{D35D1EB0-5E00-D6F0-ED51-76E9B921DD9A}"/>
+                <a16:creationId xmlns:a16="http://schemas.microsoft.com/office/drawing/2014/main" id="{60BB53CA-1DB8-C07B-07F1-E41E03DD9A8E}"/>
               </a:ext>
             </a:extLst>
           </p:cNvPr>
@@ -252,7 +252,7 @@
           <a:bodyPr/>
           <a:lstStyle/>
           <a:p>
-            <a:fld id="{251FFC51-3D56-4B53-9FE9-AE829B513619}" type="datetimeFigureOut">
+            <a:fld id="{71E8959C-B507-4B3E-B166-5F4502F0F44D}" type="datetimeFigureOut">
               <a:rPr lang="zh-CN" altLang="en-US" smtClean="0"/>
               <a:t>2024/3/10</a:t>
             </a:fld>
@@ -265,7 +265,7 @@
           <p:cNvPr id="5" name="页脚占位符 4">
             <a:extLst>
               <a:ext uri="{FF2B5EF4-FFF2-40B4-BE49-F238E27FC236}">
-                <a16:creationId xmlns:a16="http://schemas.microsoft.com/office/drawing/2014/main" id="{2659FADF-B76B-121F-E88D-22E2BC78E7A7}"/>
+                <a16:creationId xmlns:a16="http://schemas.microsoft.com/office/drawing/2014/main" id="{888D37AC-49B9-E7F7-FFF9-4BA036880477}"/>
               </a:ext>
             </a:extLst>
           </p:cNvPr>
@@ -290,7 +290,7 @@
           <p:cNvPr id="6" name="灯片编号占位符 5">
             <a:extLst>
               <a:ext uri="{FF2B5EF4-FFF2-40B4-BE49-F238E27FC236}">
-                <a16:creationId xmlns:a16="http://schemas.microsoft.com/office/drawing/2014/main" id="{F4CFD192-4C1E-2C1C-D563-A1A2C4BCAB0E}"/>
+                <a16:creationId xmlns:a16="http://schemas.microsoft.com/office/drawing/2014/main" id="{B9934E45-D1DB-8E47-6369-9A1CA9A199F5}"/>
               </a:ext>
             </a:extLst>
           </p:cNvPr>
@@ -306,7 +306,7 @@
           <a:bodyPr/>
           <a:lstStyle/>
           <a:p>
-            <a:fld id="{5A4DB117-6D09-4B75-A057-379B1AF2AA00}" type="slidenum">
+            <a:fld id="{6D7E2541-BDFF-4BF9-B767-5408059D56C2}" type="slidenum">
               <a:rPr lang="zh-CN" altLang="en-US" smtClean="0"/>
               <a:t>‹#›</a:t>
             </a:fld>
@@ -317,7 +317,7 @@
     </p:spTree>
     <p:extLst>
       <p:ext uri="{BB962C8B-B14F-4D97-AF65-F5344CB8AC3E}">
-        <p14:creationId xmlns:p14="http://schemas.microsoft.com/office/powerpoint/2010/main" val="2142916228"/>
+        <p14:creationId xmlns:p14="http://schemas.microsoft.com/office/powerpoint/2010/main" val="3826314423"/>
       </p:ext>
     </p:extLst>
   </p:cSld>
@@ -349,7 +349,7 @@
           <p:cNvPr id="2" name="标题 1">
             <a:extLst>
               <a:ext uri="{FF2B5EF4-FFF2-40B4-BE49-F238E27FC236}">
-                <a16:creationId xmlns:a16="http://schemas.microsoft.com/office/drawing/2014/main" id="{18F88253-90C1-17DB-34D9-36A20D47319C}"/>
+                <a16:creationId xmlns:a16="http://schemas.microsoft.com/office/drawing/2014/main" id="{650476D6-45D8-3E6E-C289-B8DA4258DDC4}"/>
               </a:ext>
             </a:extLst>
           </p:cNvPr>
@@ -377,7 +377,7 @@
           <p:cNvPr id="3" name="竖排文字占位符 2">
             <a:extLst>
               <a:ext uri="{FF2B5EF4-FFF2-40B4-BE49-F238E27FC236}">
-                <a16:creationId xmlns:a16="http://schemas.microsoft.com/office/drawing/2014/main" id="{9ABEA53F-0230-91CD-8504-A455F504D5B1}"/>
+                <a16:creationId xmlns:a16="http://schemas.microsoft.com/office/drawing/2014/main" id="{812F1100-6215-D8CB-6BAD-9B4EB9F88A6E}"/>
               </a:ext>
             </a:extLst>
           </p:cNvPr>
@@ -434,7 +434,7 @@
           <p:cNvPr id="4" name="日期占位符 3">
             <a:extLst>
               <a:ext uri="{FF2B5EF4-FFF2-40B4-BE49-F238E27FC236}">
-                <a16:creationId xmlns:a16="http://schemas.microsoft.com/office/drawing/2014/main" id="{F6439F78-4674-21D3-EFF7-F211F1C7A625}"/>
+                <a16:creationId xmlns:a16="http://schemas.microsoft.com/office/drawing/2014/main" id="{6D520A71-A35E-28EA-FCFB-1795C8C0D312}"/>
               </a:ext>
             </a:extLst>
           </p:cNvPr>
@@ -450,7 +450,7 @@
           <a:bodyPr/>
           <a:lstStyle/>
           <a:p>
-            <a:fld id="{251FFC51-3D56-4B53-9FE9-AE829B513619}" type="datetimeFigureOut">
+            <a:fld id="{71E8959C-B507-4B3E-B166-5F4502F0F44D}" type="datetimeFigureOut">
               <a:rPr lang="zh-CN" altLang="en-US" smtClean="0"/>
               <a:t>2024/3/10</a:t>
             </a:fld>
@@ -463,7 +463,7 @@
           <p:cNvPr id="5" name="页脚占位符 4">
             <a:extLst>
               <a:ext uri="{FF2B5EF4-FFF2-40B4-BE49-F238E27FC236}">
-                <a16:creationId xmlns:a16="http://schemas.microsoft.com/office/drawing/2014/main" id="{2CF5FA60-DDB7-282E-1D26-23E99C11B80D}"/>
+                <a16:creationId xmlns:a16="http://schemas.microsoft.com/office/drawing/2014/main" id="{7DA85CFC-66C2-49E4-FE42-2D1982FED69E}"/>
               </a:ext>
             </a:extLst>
           </p:cNvPr>
@@ -488,7 +488,7 @@
           <p:cNvPr id="6" name="灯片编号占位符 5">
             <a:extLst>
               <a:ext uri="{FF2B5EF4-FFF2-40B4-BE49-F238E27FC236}">
-                <a16:creationId xmlns:a16="http://schemas.microsoft.com/office/drawing/2014/main" id="{73124DB0-8AA7-0582-2E68-0BA20FDDA967}"/>
+                <a16:creationId xmlns:a16="http://schemas.microsoft.com/office/drawing/2014/main" id="{5FB7649C-5417-C30A-1177-0C265C26B7CC}"/>
               </a:ext>
             </a:extLst>
           </p:cNvPr>
@@ -504,7 +504,7 @@
           <a:bodyPr/>
           <a:lstStyle/>
           <a:p>
-            <a:fld id="{5A4DB117-6D09-4B75-A057-379B1AF2AA00}" type="slidenum">
+            <a:fld id="{6D7E2541-BDFF-4BF9-B767-5408059D56C2}" type="slidenum">
               <a:rPr lang="zh-CN" altLang="en-US" smtClean="0"/>
               <a:t>‹#›</a:t>
             </a:fld>
@@ -515,7 +515,7 @@
     </p:spTree>
     <p:extLst>
       <p:ext uri="{BB962C8B-B14F-4D97-AF65-F5344CB8AC3E}">
-        <p14:creationId xmlns:p14="http://schemas.microsoft.com/office/powerpoint/2010/main" val="1631155407"/>
+        <p14:creationId xmlns:p14="http://schemas.microsoft.com/office/powerpoint/2010/main" val="407526130"/>
       </p:ext>
     </p:extLst>
   </p:cSld>
@@ -547,7 +547,7 @@
           <p:cNvPr id="2" name="竖排标题 1">
             <a:extLst>
               <a:ext uri="{FF2B5EF4-FFF2-40B4-BE49-F238E27FC236}">
-                <a16:creationId xmlns:a16="http://schemas.microsoft.com/office/drawing/2014/main" id="{3161CB66-5780-A5F4-0637-8D87D90EBE73}"/>
+                <a16:creationId xmlns:a16="http://schemas.microsoft.com/office/drawing/2014/main" id="{6D843199-1F46-DBF3-3671-EEEFCF66D179}"/>
               </a:ext>
             </a:extLst>
           </p:cNvPr>
@@ -580,7 +580,7 @@
           <p:cNvPr id="3" name="竖排文字占位符 2">
             <a:extLst>
               <a:ext uri="{FF2B5EF4-FFF2-40B4-BE49-F238E27FC236}">
-                <a16:creationId xmlns:a16="http://schemas.microsoft.com/office/drawing/2014/main" id="{EBE6DCA4-8F35-3942-78D4-031EF8011C21}"/>
+                <a16:creationId xmlns:a16="http://schemas.microsoft.com/office/drawing/2014/main" id="{79E28367-A0DE-0BAF-8850-9E19D889F401}"/>
               </a:ext>
             </a:extLst>
           </p:cNvPr>
@@ -642,7 +642,7 @@
           <p:cNvPr id="4" name="日期占位符 3">
             <a:extLst>
               <a:ext uri="{FF2B5EF4-FFF2-40B4-BE49-F238E27FC236}">
-                <a16:creationId xmlns:a16="http://schemas.microsoft.com/office/drawing/2014/main" id="{86273050-D955-AB6E-9E57-4F892D7323AA}"/>
+                <a16:creationId xmlns:a16="http://schemas.microsoft.com/office/drawing/2014/main" id="{2E31CF86-0439-1CFD-E494-4B1F68CFA867}"/>
               </a:ext>
             </a:extLst>
           </p:cNvPr>
@@ -658,7 +658,7 @@
           <a:bodyPr/>
           <a:lstStyle/>
           <a:p>
-            <a:fld id="{251FFC51-3D56-4B53-9FE9-AE829B513619}" type="datetimeFigureOut">
+            <a:fld id="{71E8959C-B507-4B3E-B166-5F4502F0F44D}" type="datetimeFigureOut">
               <a:rPr lang="zh-CN" altLang="en-US" smtClean="0"/>
               <a:t>2024/3/10</a:t>
             </a:fld>
@@ -671,7 +671,7 @@
           <p:cNvPr id="5" name="页脚占位符 4">
             <a:extLst>
               <a:ext uri="{FF2B5EF4-FFF2-40B4-BE49-F238E27FC236}">
-                <a16:creationId xmlns:a16="http://schemas.microsoft.com/office/drawing/2014/main" id="{CA3617CC-16FF-DCEE-4DA5-1E3B429EC181}"/>
+                <a16:creationId xmlns:a16="http://schemas.microsoft.com/office/drawing/2014/main" id="{2FD1566E-9B2D-523F-C7B8-A46B841A5B30}"/>
               </a:ext>
             </a:extLst>
           </p:cNvPr>
@@ -696,7 +696,7 @@
           <p:cNvPr id="6" name="灯片编号占位符 5">
             <a:extLst>
               <a:ext uri="{FF2B5EF4-FFF2-40B4-BE49-F238E27FC236}">
-                <a16:creationId xmlns:a16="http://schemas.microsoft.com/office/drawing/2014/main" id="{7EBB4303-C13F-5A09-AF9C-7CFDF9BB69BA}"/>
+                <a16:creationId xmlns:a16="http://schemas.microsoft.com/office/drawing/2014/main" id="{3EAA33A4-3C4D-C8C0-2099-CF76991E12E2}"/>
               </a:ext>
             </a:extLst>
           </p:cNvPr>
@@ -712,7 +712,7 @@
           <a:bodyPr/>
           <a:lstStyle/>
           <a:p>
-            <a:fld id="{5A4DB117-6D09-4B75-A057-379B1AF2AA00}" type="slidenum">
+            <a:fld id="{6D7E2541-BDFF-4BF9-B767-5408059D56C2}" type="slidenum">
               <a:rPr lang="zh-CN" altLang="en-US" smtClean="0"/>
               <a:t>‹#›</a:t>
             </a:fld>
@@ -723,7 +723,7 @@
     </p:spTree>
     <p:extLst>
       <p:ext uri="{BB962C8B-B14F-4D97-AF65-F5344CB8AC3E}">
-        <p14:creationId xmlns:p14="http://schemas.microsoft.com/office/powerpoint/2010/main" val="720031901"/>
+        <p14:creationId xmlns:p14="http://schemas.microsoft.com/office/powerpoint/2010/main" val="3466865939"/>
       </p:ext>
     </p:extLst>
   </p:cSld>
@@ -755,7 +755,7 @@
           <p:cNvPr id="2" name="标题 1">
             <a:extLst>
               <a:ext uri="{FF2B5EF4-FFF2-40B4-BE49-F238E27FC236}">
-                <a16:creationId xmlns:a16="http://schemas.microsoft.com/office/drawing/2014/main" id="{3CA669A2-AB7B-E11E-1787-DA15A3EABBA2}"/>
+                <a16:creationId xmlns:a16="http://schemas.microsoft.com/office/drawing/2014/main" id="{5770DAC9-741A-714F-B0E3-5EFBFBFD4692}"/>
               </a:ext>
             </a:extLst>
           </p:cNvPr>
@@ -783,7 +783,7 @@
           <p:cNvPr id="3" name="内容占位符 2">
             <a:extLst>
               <a:ext uri="{FF2B5EF4-FFF2-40B4-BE49-F238E27FC236}">
-                <a16:creationId xmlns:a16="http://schemas.microsoft.com/office/drawing/2014/main" id="{262A4A2F-862F-EE5C-1645-6AD5D290EB96}"/>
+                <a16:creationId xmlns:a16="http://schemas.microsoft.com/office/drawing/2014/main" id="{7952A600-B0F4-5FBC-299D-BE26B6AB5010}"/>
               </a:ext>
             </a:extLst>
           </p:cNvPr>
@@ -840,7 +840,7 @@
           <p:cNvPr id="4" name="日期占位符 3">
             <a:extLst>
               <a:ext uri="{FF2B5EF4-FFF2-40B4-BE49-F238E27FC236}">
-                <a16:creationId xmlns:a16="http://schemas.microsoft.com/office/drawing/2014/main" id="{E4D769C8-3EDD-767C-1143-9B233C8D5372}"/>
+                <a16:creationId xmlns:a16="http://schemas.microsoft.com/office/drawing/2014/main" id="{B7FEB6BE-F597-9A22-258E-2E947F554121}"/>
               </a:ext>
             </a:extLst>
           </p:cNvPr>
@@ -856,7 +856,7 @@
           <a:bodyPr/>
           <a:lstStyle/>
           <a:p>
-            <a:fld id="{251FFC51-3D56-4B53-9FE9-AE829B513619}" type="datetimeFigureOut">
+            <a:fld id="{71E8959C-B507-4B3E-B166-5F4502F0F44D}" type="datetimeFigureOut">
               <a:rPr lang="zh-CN" altLang="en-US" smtClean="0"/>
               <a:t>2024/3/10</a:t>
             </a:fld>
@@ -869,7 +869,7 @@
           <p:cNvPr id="5" name="页脚占位符 4">
             <a:extLst>
               <a:ext uri="{FF2B5EF4-FFF2-40B4-BE49-F238E27FC236}">
-                <a16:creationId xmlns:a16="http://schemas.microsoft.com/office/drawing/2014/main" id="{229AFF62-31DA-E18C-E16A-20CA60821A1A}"/>
+                <a16:creationId xmlns:a16="http://schemas.microsoft.com/office/drawing/2014/main" id="{0FC118B3-D034-4A72-4DE9-0ED835D5A8EC}"/>
               </a:ext>
             </a:extLst>
           </p:cNvPr>
@@ -894,7 +894,7 @@
           <p:cNvPr id="6" name="灯片编号占位符 5">
             <a:extLst>
               <a:ext uri="{FF2B5EF4-FFF2-40B4-BE49-F238E27FC236}">
-                <a16:creationId xmlns:a16="http://schemas.microsoft.com/office/drawing/2014/main" id="{383360F1-FEC2-3419-D53B-8FD8DECB6CFA}"/>
+                <a16:creationId xmlns:a16="http://schemas.microsoft.com/office/drawing/2014/main" id="{71178728-D7B2-EBCC-C318-D888AADCCAA8}"/>
               </a:ext>
             </a:extLst>
           </p:cNvPr>
@@ -910,7 +910,7 @@
           <a:bodyPr/>
           <a:lstStyle/>
           <a:p>
-            <a:fld id="{5A4DB117-6D09-4B75-A057-379B1AF2AA00}" type="slidenum">
+            <a:fld id="{6D7E2541-BDFF-4BF9-B767-5408059D56C2}" type="slidenum">
               <a:rPr lang="zh-CN" altLang="en-US" smtClean="0"/>
               <a:t>‹#›</a:t>
             </a:fld>
@@ -921,7 +921,7 @@
     </p:spTree>
     <p:extLst>
       <p:ext uri="{BB962C8B-B14F-4D97-AF65-F5344CB8AC3E}">
-        <p14:creationId xmlns:p14="http://schemas.microsoft.com/office/powerpoint/2010/main" val="1274175892"/>
+        <p14:creationId xmlns:p14="http://schemas.microsoft.com/office/powerpoint/2010/main" val="1824172160"/>
       </p:ext>
     </p:extLst>
   </p:cSld>
@@ -953,7 +953,7 @@
           <p:cNvPr id="2" name="标题 1">
             <a:extLst>
               <a:ext uri="{FF2B5EF4-FFF2-40B4-BE49-F238E27FC236}">
-                <a16:creationId xmlns:a16="http://schemas.microsoft.com/office/drawing/2014/main" id="{85A25C72-9FC2-C3F5-7BA9-020C78DA5703}"/>
+                <a16:creationId xmlns:a16="http://schemas.microsoft.com/office/drawing/2014/main" id="{4C188836-F554-F048-8D3D-D6E8B6F3CBEF}"/>
               </a:ext>
             </a:extLst>
           </p:cNvPr>
@@ -990,7 +990,7 @@
           <p:cNvPr id="3" name="文本占位符 2">
             <a:extLst>
               <a:ext uri="{FF2B5EF4-FFF2-40B4-BE49-F238E27FC236}">
-                <a16:creationId xmlns:a16="http://schemas.microsoft.com/office/drawing/2014/main" id="{94F19104-EE42-873A-8807-232DED4D93DD}"/>
+                <a16:creationId xmlns:a16="http://schemas.microsoft.com/office/drawing/2014/main" id="{18191151-5969-6002-C424-E4BD3154245E}"/>
               </a:ext>
             </a:extLst>
           </p:cNvPr>
@@ -1115,7 +1115,7 @@
           <p:cNvPr id="4" name="日期占位符 3">
             <a:extLst>
               <a:ext uri="{FF2B5EF4-FFF2-40B4-BE49-F238E27FC236}">
-                <a16:creationId xmlns:a16="http://schemas.microsoft.com/office/drawing/2014/main" id="{42E6E518-56E2-1F2B-EB45-65EB63111E06}"/>
+                <a16:creationId xmlns:a16="http://schemas.microsoft.com/office/drawing/2014/main" id="{BD0D87BB-8E67-688D-F1DC-EFE4AAAF8E40}"/>
               </a:ext>
             </a:extLst>
           </p:cNvPr>
@@ -1131,7 +1131,7 @@
           <a:bodyPr/>
           <a:lstStyle/>
           <a:p>
-            <a:fld id="{251FFC51-3D56-4B53-9FE9-AE829B513619}" type="datetimeFigureOut">
+            <a:fld id="{71E8959C-B507-4B3E-B166-5F4502F0F44D}" type="datetimeFigureOut">
               <a:rPr lang="zh-CN" altLang="en-US" smtClean="0"/>
               <a:t>2024/3/10</a:t>
             </a:fld>
@@ -1144,7 +1144,7 @@
           <p:cNvPr id="5" name="页脚占位符 4">
             <a:extLst>
               <a:ext uri="{FF2B5EF4-FFF2-40B4-BE49-F238E27FC236}">
-                <a16:creationId xmlns:a16="http://schemas.microsoft.com/office/drawing/2014/main" id="{37CE60F1-7207-866F-D901-E614491CA992}"/>
+                <a16:creationId xmlns:a16="http://schemas.microsoft.com/office/drawing/2014/main" id="{A91D4EC4-E599-57B1-9AD1-5241D69EE040}"/>
               </a:ext>
             </a:extLst>
           </p:cNvPr>
@@ -1169,7 +1169,7 @@
           <p:cNvPr id="6" name="灯片编号占位符 5">
             <a:extLst>
               <a:ext uri="{FF2B5EF4-FFF2-40B4-BE49-F238E27FC236}">
-                <a16:creationId xmlns:a16="http://schemas.microsoft.com/office/drawing/2014/main" id="{EF46F94D-7531-4A4F-5C57-191801005E49}"/>
+                <a16:creationId xmlns:a16="http://schemas.microsoft.com/office/drawing/2014/main" id="{82C48502-C622-EEF1-1A4B-28A39F5FB2B0}"/>
               </a:ext>
             </a:extLst>
           </p:cNvPr>
@@ -1185,7 +1185,7 @@
           <a:bodyPr/>
           <a:lstStyle/>
           <a:p>
-            <a:fld id="{5A4DB117-6D09-4B75-A057-379B1AF2AA00}" type="slidenum">
+            <a:fld id="{6D7E2541-BDFF-4BF9-B767-5408059D56C2}" type="slidenum">
               <a:rPr lang="zh-CN" altLang="en-US" smtClean="0"/>
               <a:t>‹#›</a:t>
             </a:fld>
@@ -1196,7 +1196,7 @@
     </p:spTree>
     <p:extLst>
       <p:ext uri="{BB962C8B-B14F-4D97-AF65-F5344CB8AC3E}">
-        <p14:creationId xmlns:p14="http://schemas.microsoft.com/office/powerpoint/2010/main" val="902703558"/>
+        <p14:creationId xmlns:p14="http://schemas.microsoft.com/office/powerpoint/2010/main" val="778905777"/>
       </p:ext>
     </p:extLst>
   </p:cSld>
@@ -1228,7 +1228,7 @@
           <p:cNvPr id="2" name="标题 1">
             <a:extLst>
               <a:ext uri="{FF2B5EF4-FFF2-40B4-BE49-F238E27FC236}">
-                <a16:creationId xmlns:a16="http://schemas.microsoft.com/office/drawing/2014/main" id="{7E5D4E88-2ADB-5C13-5D9B-61E3F15344A2}"/>
+                <a16:creationId xmlns:a16="http://schemas.microsoft.com/office/drawing/2014/main" id="{768FB4A9-23A3-F7C5-2660-7A9035DFA7C1}"/>
               </a:ext>
             </a:extLst>
           </p:cNvPr>
@@ -1256,7 +1256,7 @@
           <p:cNvPr id="3" name="内容占位符 2">
             <a:extLst>
               <a:ext uri="{FF2B5EF4-FFF2-40B4-BE49-F238E27FC236}">
-                <a16:creationId xmlns:a16="http://schemas.microsoft.com/office/drawing/2014/main" id="{EE6F6076-E65B-1D7A-158F-BF3E74B22491}"/>
+                <a16:creationId xmlns:a16="http://schemas.microsoft.com/office/drawing/2014/main" id="{05C60905-C362-B5F1-990A-7BF565E74F2A}"/>
               </a:ext>
             </a:extLst>
           </p:cNvPr>
@@ -1318,7 +1318,7 @@
           <p:cNvPr id="4" name="内容占位符 3">
             <a:extLst>
               <a:ext uri="{FF2B5EF4-FFF2-40B4-BE49-F238E27FC236}">
-                <a16:creationId xmlns:a16="http://schemas.microsoft.com/office/drawing/2014/main" id="{4D8816ED-839B-E162-8FE7-8334368A3396}"/>
+                <a16:creationId xmlns:a16="http://schemas.microsoft.com/office/drawing/2014/main" id="{43636079-B362-63B2-57AC-C96889BACF35}"/>
               </a:ext>
             </a:extLst>
           </p:cNvPr>
@@ -1380,7 +1380,7 @@
           <p:cNvPr id="5" name="日期占位符 4">
             <a:extLst>
               <a:ext uri="{FF2B5EF4-FFF2-40B4-BE49-F238E27FC236}">
-                <a16:creationId xmlns:a16="http://schemas.microsoft.com/office/drawing/2014/main" id="{6D2062EA-26A8-14AB-94AA-2DE10F1F709F}"/>
+                <a16:creationId xmlns:a16="http://schemas.microsoft.com/office/drawing/2014/main" id="{DA5F80A6-1F27-6CFF-4FED-745CE6C2BE0B}"/>
               </a:ext>
             </a:extLst>
           </p:cNvPr>
@@ -1396,7 +1396,7 @@
           <a:bodyPr/>
           <a:lstStyle/>
           <a:p>
-            <a:fld id="{251FFC51-3D56-4B53-9FE9-AE829B513619}" type="datetimeFigureOut">
+            <a:fld id="{71E8959C-B507-4B3E-B166-5F4502F0F44D}" type="datetimeFigureOut">
               <a:rPr lang="zh-CN" altLang="en-US" smtClean="0"/>
               <a:t>2024/3/10</a:t>
             </a:fld>
@@ -1409,7 +1409,7 @@
           <p:cNvPr id="6" name="页脚占位符 5">
             <a:extLst>
               <a:ext uri="{FF2B5EF4-FFF2-40B4-BE49-F238E27FC236}">
-                <a16:creationId xmlns:a16="http://schemas.microsoft.com/office/drawing/2014/main" id="{1ED0280A-58B9-2D1F-C7E1-DC145B042963}"/>
+                <a16:creationId xmlns:a16="http://schemas.microsoft.com/office/drawing/2014/main" id="{5EAC2777-64EA-8E67-39E4-71057A7CC692}"/>
               </a:ext>
             </a:extLst>
           </p:cNvPr>
@@ -1434,7 +1434,7 @@
           <p:cNvPr id="7" name="灯片编号占位符 6">
             <a:extLst>
               <a:ext uri="{FF2B5EF4-FFF2-40B4-BE49-F238E27FC236}">
-                <a16:creationId xmlns:a16="http://schemas.microsoft.com/office/drawing/2014/main" id="{65F597C3-73CB-8D69-7CC1-FD064E1E0CEF}"/>
+                <a16:creationId xmlns:a16="http://schemas.microsoft.com/office/drawing/2014/main" id="{FE412ACA-9EBF-796E-7245-B121DF00E3FD}"/>
               </a:ext>
             </a:extLst>
           </p:cNvPr>
@@ -1450,7 +1450,7 @@
           <a:bodyPr/>
           <a:lstStyle/>
           <a:p>
-            <a:fld id="{5A4DB117-6D09-4B75-A057-379B1AF2AA00}" type="slidenum">
+            <a:fld id="{6D7E2541-BDFF-4BF9-B767-5408059D56C2}" type="slidenum">
               <a:rPr lang="zh-CN" altLang="en-US" smtClean="0"/>
               <a:t>‹#›</a:t>
             </a:fld>
@@ -1461,7 +1461,7 @@
     </p:spTree>
     <p:extLst>
       <p:ext uri="{BB962C8B-B14F-4D97-AF65-F5344CB8AC3E}">
-        <p14:creationId xmlns:p14="http://schemas.microsoft.com/office/powerpoint/2010/main" val="3721795026"/>
+        <p14:creationId xmlns:p14="http://schemas.microsoft.com/office/powerpoint/2010/main" val="1695438397"/>
       </p:ext>
     </p:extLst>
   </p:cSld>
@@ -1493,7 +1493,7 @@
           <p:cNvPr id="2" name="标题 1">
             <a:extLst>
               <a:ext uri="{FF2B5EF4-FFF2-40B4-BE49-F238E27FC236}">
-                <a16:creationId xmlns:a16="http://schemas.microsoft.com/office/drawing/2014/main" id="{A43FFD89-FD32-5390-C25D-CAA2FCE15DA0}"/>
+                <a16:creationId xmlns:a16="http://schemas.microsoft.com/office/drawing/2014/main" id="{0007F66E-8D4F-6C05-A555-3EBF227DEDD1}"/>
               </a:ext>
             </a:extLst>
           </p:cNvPr>
@@ -1526,7 +1526,7 @@
           <p:cNvPr id="3" name="文本占位符 2">
             <a:extLst>
               <a:ext uri="{FF2B5EF4-FFF2-40B4-BE49-F238E27FC236}">
-                <a16:creationId xmlns:a16="http://schemas.microsoft.com/office/drawing/2014/main" id="{ABABD129-0A80-D08E-7460-EAB0674E1966}"/>
+                <a16:creationId xmlns:a16="http://schemas.microsoft.com/office/drawing/2014/main" id="{A0965B28-4966-279C-787E-2FBEE2E04C23}"/>
               </a:ext>
             </a:extLst>
           </p:cNvPr>
@@ -1597,7 +1597,7 @@
           <p:cNvPr id="4" name="内容占位符 3">
             <a:extLst>
               <a:ext uri="{FF2B5EF4-FFF2-40B4-BE49-F238E27FC236}">
-                <a16:creationId xmlns:a16="http://schemas.microsoft.com/office/drawing/2014/main" id="{8FEA76AD-8AB9-4F79-AD8D-B7F87D958AED}"/>
+                <a16:creationId xmlns:a16="http://schemas.microsoft.com/office/drawing/2014/main" id="{5905968E-F38C-D854-3414-BA3F6CDA182F}"/>
               </a:ext>
             </a:extLst>
           </p:cNvPr>
@@ -1659,7 +1659,7 @@
           <p:cNvPr id="5" name="文本占位符 4">
             <a:extLst>
               <a:ext uri="{FF2B5EF4-FFF2-40B4-BE49-F238E27FC236}">
-                <a16:creationId xmlns:a16="http://schemas.microsoft.com/office/drawing/2014/main" id="{9D3FE79D-1148-266A-9D04-D5061BB7652D}"/>
+                <a16:creationId xmlns:a16="http://schemas.microsoft.com/office/drawing/2014/main" id="{D440B100-9979-E601-F88B-8606F363A7E1}"/>
               </a:ext>
             </a:extLst>
           </p:cNvPr>
@@ -1730,7 +1730,7 @@
           <p:cNvPr id="6" name="内容占位符 5">
             <a:extLst>
               <a:ext uri="{FF2B5EF4-FFF2-40B4-BE49-F238E27FC236}">
-                <a16:creationId xmlns:a16="http://schemas.microsoft.com/office/drawing/2014/main" id="{8A59A20D-B32B-4ABA-A9ED-056C258BAB4B}"/>
+                <a16:creationId xmlns:a16="http://schemas.microsoft.com/office/drawing/2014/main" id="{05703923-38FF-344A-936C-7FADDCC24487}"/>
               </a:ext>
             </a:extLst>
           </p:cNvPr>
@@ -1792,7 +1792,7 @@
           <p:cNvPr id="7" name="日期占位符 6">
             <a:extLst>
               <a:ext uri="{FF2B5EF4-FFF2-40B4-BE49-F238E27FC236}">
-                <a16:creationId xmlns:a16="http://schemas.microsoft.com/office/drawing/2014/main" id="{044AF98F-B25A-B152-FEFC-0B025E6ADA6A}"/>
+                <a16:creationId xmlns:a16="http://schemas.microsoft.com/office/drawing/2014/main" id="{35E7A2D0-A1B3-8C00-C372-007375C98890}"/>
               </a:ext>
             </a:extLst>
           </p:cNvPr>
@@ -1808,7 +1808,7 @@
           <a:bodyPr/>
           <a:lstStyle/>
           <a:p>
-            <a:fld id="{251FFC51-3D56-4B53-9FE9-AE829B513619}" type="datetimeFigureOut">
+            <a:fld id="{71E8959C-B507-4B3E-B166-5F4502F0F44D}" type="datetimeFigureOut">
               <a:rPr lang="zh-CN" altLang="en-US" smtClean="0"/>
               <a:t>2024/3/10</a:t>
             </a:fld>
@@ -1821,7 +1821,7 @@
           <p:cNvPr id="8" name="页脚占位符 7">
             <a:extLst>
               <a:ext uri="{FF2B5EF4-FFF2-40B4-BE49-F238E27FC236}">
-                <a16:creationId xmlns:a16="http://schemas.microsoft.com/office/drawing/2014/main" id="{E566D3AC-ED15-C8F2-61E5-A80686300140}"/>
+                <a16:creationId xmlns:a16="http://schemas.microsoft.com/office/drawing/2014/main" id="{208E4AD6-891E-296B-F5A4-6797B8134522}"/>
               </a:ext>
             </a:extLst>
           </p:cNvPr>
@@ -1846,7 +1846,7 @@
           <p:cNvPr id="9" name="灯片编号占位符 8">
             <a:extLst>
               <a:ext uri="{FF2B5EF4-FFF2-40B4-BE49-F238E27FC236}">
-                <a16:creationId xmlns:a16="http://schemas.microsoft.com/office/drawing/2014/main" id="{29ADC403-3747-8163-8DFA-38290AF00146}"/>
+                <a16:creationId xmlns:a16="http://schemas.microsoft.com/office/drawing/2014/main" id="{8667D8D5-8C1E-C242-BD29-0E60D8719B85}"/>
               </a:ext>
             </a:extLst>
           </p:cNvPr>
@@ -1862,7 +1862,7 @@
           <a:bodyPr/>
           <a:lstStyle/>
           <a:p>
-            <a:fld id="{5A4DB117-6D09-4B75-A057-379B1AF2AA00}" type="slidenum">
+            <a:fld id="{6D7E2541-BDFF-4BF9-B767-5408059D56C2}" type="slidenum">
               <a:rPr lang="zh-CN" altLang="en-US" smtClean="0"/>
               <a:t>‹#›</a:t>
             </a:fld>
@@ -1873,7 +1873,7 @@
     </p:spTree>
     <p:extLst>
       <p:ext uri="{BB962C8B-B14F-4D97-AF65-F5344CB8AC3E}">
-        <p14:creationId xmlns:p14="http://schemas.microsoft.com/office/powerpoint/2010/main" val="2284292952"/>
+        <p14:creationId xmlns:p14="http://schemas.microsoft.com/office/powerpoint/2010/main" val="2593363322"/>
       </p:ext>
     </p:extLst>
   </p:cSld>
@@ -1905,7 +1905,7 @@
           <p:cNvPr id="2" name="标题 1">
             <a:extLst>
               <a:ext uri="{FF2B5EF4-FFF2-40B4-BE49-F238E27FC236}">
-                <a16:creationId xmlns:a16="http://schemas.microsoft.com/office/drawing/2014/main" id="{0CE4AB31-9039-A7E7-7284-FEA5D8731437}"/>
+                <a16:creationId xmlns:a16="http://schemas.microsoft.com/office/drawing/2014/main" id="{9A8B5E3B-A2C4-FD8A-9D04-EC0938F4FD1F}"/>
               </a:ext>
             </a:extLst>
           </p:cNvPr>
@@ -1933,7 +1933,7 @@
           <p:cNvPr id="3" name="日期占位符 2">
             <a:extLst>
               <a:ext uri="{FF2B5EF4-FFF2-40B4-BE49-F238E27FC236}">
-                <a16:creationId xmlns:a16="http://schemas.microsoft.com/office/drawing/2014/main" id="{32AA8F9D-E59B-8586-E904-12D5397247D4}"/>
+                <a16:creationId xmlns:a16="http://schemas.microsoft.com/office/drawing/2014/main" id="{1F2BC8D6-BC98-069C-7A21-97E11D4A1AB2}"/>
               </a:ext>
             </a:extLst>
           </p:cNvPr>
@@ -1949,7 +1949,7 @@
           <a:bodyPr/>
           <a:lstStyle/>
           <a:p>
-            <a:fld id="{251FFC51-3D56-4B53-9FE9-AE829B513619}" type="datetimeFigureOut">
+            <a:fld id="{71E8959C-B507-4B3E-B166-5F4502F0F44D}" type="datetimeFigureOut">
               <a:rPr lang="zh-CN" altLang="en-US" smtClean="0"/>
               <a:t>2024/3/10</a:t>
             </a:fld>
@@ -1962,7 +1962,7 @@
           <p:cNvPr id="4" name="页脚占位符 3">
             <a:extLst>
               <a:ext uri="{FF2B5EF4-FFF2-40B4-BE49-F238E27FC236}">
-                <a16:creationId xmlns:a16="http://schemas.microsoft.com/office/drawing/2014/main" id="{76F1AEFE-6060-677D-3D69-77C469CBE679}"/>
+                <a16:creationId xmlns:a16="http://schemas.microsoft.com/office/drawing/2014/main" id="{6C316BF3-E4B6-670E-56C5-74942B017B6E}"/>
               </a:ext>
             </a:extLst>
           </p:cNvPr>
@@ -1987,7 +1987,7 @@
           <p:cNvPr id="5" name="灯片编号占位符 4">
             <a:extLst>
               <a:ext uri="{FF2B5EF4-FFF2-40B4-BE49-F238E27FC236}">
-                <a16:creationId xmlns:a16="http://schemas.microsoft.com/office/drawing/2014/main" id="{5DB5B620-3629-CB4D-0F60-DC449C62110D}"/>
+                <a16:creationId xmlns:a16="http://schemas.microsoft.com/office/drawing/2014/main" id="{79EAADEA-E81D-EBCC-266B-993C07C6B453}"/>
               </a:ext>
             </a:extLst>
           </p:cNvPr>
@@ -2003,7 +2003,7 @@
           <a:bodyPr/>
           <a:lstStyle/>
           <a:p>
-            <a:fld id="{5A4DB117-6D09-4B75-A057-379B1AF2AA00}" type="slidenum">
+            <a:fld id="{6D7E2541-BDFF-4BF9-B767-5408059D56C2}" type="slidenum">
               <a:rPr lang="zh-CN" altLang="en-US" smtClean="0"/>
               <a:t>‹#›</a:t>
             </a:fld>
@@ -2014,7 +2014,7 @@
     </p:spTree>
     <p:extLst>
       <p:ext uri="{BB962C8B-B14F-4D97-AF65-F5344CB8AC3E}">
-        <p14:creationId xmlns:p14="http://schemas.microsoft.com/office/powerpoint/2010/main" val="4110023171"/>
+        <p14:creationId xmlns:p14="http://schemas.microsoft.com/office/powerpoint/2010/main" val="759336541"/>
       </p:ext>
     </p:extLst>
   </p:cSld>
@@ -2046,7 +2046,7 @@
           <p:cNvPr id="2" name="日期占位符 1">
             <a:extLst>
               <a:ext uri="{FF2B5EF4-FFF2-40B4-BE49-F238E27FC236}">
-                <a16:creationId xmlns:a16="http://schemas.microsoft.com/office/drawing/2014/main" id="{08E94460-7C56-77F3-788E-2F1100FD8022}"/>
+                <a16:creationId xmlns:a16="http://schemas.microsoft.com/office/drawing/2014/main" id="{6D67FC8E-140A-ED7E-E052-02AA7FB2441A}"/>
               </a:ext>
             </a:extLst>
           </p:cNvPr>
@@ -2062,7 +2062,7 @@
           <a:bodyPr/>
           <a:lstStyle/>
           <a:p>
-            <a:fld id="{251FFC51-3D56-4B53-9FE9-AE829B513619}" type="datetimeFigureOut">
+            <a:fld id="{71E8959C-B507-4B3E-B166-5F4502F0F44D}" type="datetimeFigureOut">
               <a:rPr lang="zh-CN" altLang="en-US" smtClean="0"/>
               <a:t>2024/3/10</a:t>
             </a:fld>
@@ -2075,7 +2075,7 @@
           <p:cNvPr id="3" name="页脚占位符 2">
             <a:extLst>
               <a:ext uri="{FF2B5EF4-FFF2-40B4-BE49-F238E27FC236}">
-                <a16:creationId xmlns:a16="http://schemas.microsoft.com/office/drawing/2014/main" id="{262EECCA-01CD-F5DE-2EEE-A858086B4922}"/>
+                <a16:creationId xmlns:a16="http://schemas.microsoft.com/office/drawing/2014/main" id="{05DF06D8-2894-36AB-56AC-F1A142213E95}"/>
               </a:ext>
             </a:extLst>
           </p:cNvPr>
@@ -2100,7 +2100,7 @@
           <p:cNvPr id="4" name="灯片编号占位符 3">
             <a:extLst>
               <a:ext uri="{FF2B5EF4-FFF2-40B4-BE49-F238E27FC236}">
-                <a16:creationId xmlns:a16="http://schemas.microsoft.com/office/drawing/2014/main" id="{397E0E54-3F1C-7FFE-6F6E-15A4A3A95983}"/>
+                <a16:creationId xmlns:a16="http://schemas.microsoft.com/office/drawing/2014/main" id="{2A83BA3E-514F-1BC3-7140-433F825F5228}"/>
               </a:ext>
             </a:extLst>
           </p:cNvPr>
@@ -2116,7 +2116,7 @@
           <a:bodyPr/>
           <a:lstStyle/>
           <a:p>
-            <a:fld id="{5A4DB117-6D09-4B75-A057-379B1AF2AA00}" type="slidenum">
+            <a:fld id="{6D7E2541-BDFF-4BF9-B767-5408059D56C2}" type="slidenum">
               <a:rPr lang="zh-CN" altLang="en-US" smtClean="0"/>
               <a:t>‹#›</a:t>
             </a:fld>
@@ -2127,7 +2127,7 @@
     </p:spTree>
     <p:extLst>
       <p:ext uri="{BB962C8B-B14F-4D97-AF65-F5344CB8AC3E}">
-        <p14:creationId xmlns:p14="http://schemas.microsoft.com/office/powerpoint/2010/main" val="3759519158"/>
+        <p14:creationId xmlns:p14="http://schemas.microsoft.com/office/powerpoint/2010/main" val="2459758301"/>
       </p:ext>
     </p:extLst>
   </p:cSld>
@@ -2159,7 +2159,7 @@
           <p:cNvPr id="2" name="标题 1">
             <a:extLst>
               <a:ext uri="{FF2B5EF4-FFF2-40B4-BE49-F238E27FC236}">
-                <a16:creationId xmlns:a16="http://schemas.microsoft.com/office/drawing/2014/main" id="{A747E6D7-9269-73FC-62F4-ACC8B6D4941C}"/>
+                <a16:creationId xmlns:a16="http://schemas.microsoft.com/office/drawing/2014/main" id="{A83A83A5-3BCD-2C6B-59D1-E54C6C2BCEE5}"/>
               </a:ext>
             </a:extLst>
           </p:cNvPr>
@@ -2196,7 +2196,7 @@
           <p:cNvPr id="3" name="内容占位符 2">
             <a:extLst>
               <a:ext uri="{FF2B5EF4-FFF2-40B4-BE49-F238E27FC236}">
-                <a16:creationId xmlns:a16="http://schemas.microsoft.com/office/drawing/2014/main" id="{A90354E6-E24C-EC3D-2C37-1A53A0382D93}"/>
+                <a16:creationId xmlns:a16="http://schemas.microsoft.com/office/drawing/2014/main" id="{7B95E332-DAA1-72A1-10E9-9A561FE708F2}"/>
               </a:ext>
             </a:extLst>
           </p:cNvPr>
@@ -2286,7 +2286,7 @@
           <p:cNvPr id="4" name="文本占位符 3">
             <a:extLst>
               <a:ext uri="{FF2B5EF4-FFF2-40B4-BE49-F238E27FC236}">
-                <a16:creationId xmlns:a16="http://schemas.microsoft.com/office/drawing/2014/main" id="{3069E870-1CF0-BC9F-B00A-EF7E4A6744AF}"/>
+                <a16:creationId xmlns:a16="http://schemas.microsoft.com/office/drawing/2014/main" id="{8E5CF9FD-D705-5B06-D4B5-DF17DFB895A7}"/>
               </a:ext>
             </a:extLst>
           </p:cNvPr>
@@ -2357,7 +2357,7 @@
           <p:cNvPr id="5" name="日期占位符 4">
             <a:extLst>
               <a:ext uri="{FF2B5EF4-FFF2-40B4-BE49-F238E27FC236}">
-                <a16:creationId xmlns:a16="http://schemas.microsoft.com/office/drawing/2014/main" id="{94B40CBE-7059-B7E8-76F5-9FEBE7168C70}"/>
+                <a16:creationId xmlns:a16="http://schemas.microsoft.com/office/drawing/2014/main" id="{75D39A83-2974-A109-FA3F-6D2D898F3EF3}"/>
               </a:ext>
             </a:extLst>
           </p:cNvPr>
@@ -2373,7 +2373,7 @@
           <a:bodyPr/>
           <a:lstStyle/>
           <a:p>
-            <a:fld id="{251FFC51-3D56-4B53-9FE9-AE829B513619}" type="datetimeFigureOut">
+            <a:fld id="{71E8959C-B507-4B3E-B166-5F4502F0F44D}" type="datetimeFigureOut">
               <a:rPr lang="zh-CN" altLang="en-US" smtClean="0"/>
               <a:t>2024/3/10</a:t>
             </a:fld>
@@ -2386,7 +2386,7 @@
           <p:cNvPr id="6" name="页脚占位符 5">
             <a:extLst>
               <a:ext uri="{FF2B5EF4-FFF2-40B4-BE49-F238E27FC236}">
-                <a16:creationId xmlns:a16="http://schemas.microsoft.com/office/drawing/2014/main" id="{CC82FB9C-6784-FCE7-3D3A-FCCB1CF4EF4A}"/>
+                <a16:creationId xmlns:a16="http://schemas.microsoft.com/office/drawing/2014/main" id="{416104B6-3EA9-8D54-36BA-5DAF6AB46D5A}"/>
               </a:ext>
             </a:extLst>
           </p:cNvPr>
@@ -2411,7 +2411,7 @@
           <p:cNvPr id="7" name="灯片编号占位符 6">
             <a:extLst>
               <a:ext uri="{FF2B5EF4-FFF2-40B4-BE49-F238E27FC236}">
-                <a16:creationId xmlns:a16="http://schemas.microsoft.com/office/drawing/2014/main" id="{E7F431D2-8F60-F7D2-34CA-8569E3839608}"/>
+                <a16:creationId xmlns:a16="http://schemas.microsoft.com/office/drawing/2014/main" id="{1DEBBEEA-0CB3-0713-7628-A3B3D06CEF28}"/>
               </a:ext>
             </a:extLst>
           </p:cNvPr>
@@ -2427,7 +2427,7 @@
           <a:bodyPr/>
           <a:lstStyle/>
           <a:p>
-            <a:fld id="{5A4DB117-6D09-4B75-A057-379B1AF2AA00}" type="slidenum">
+            <a:fld id="{6D7E2541-BDFF-4BF9-B767-5408059D56C2}" type="slidenum">
               <a:rPr lang="zh-CN" altLang="en-US" smtClean="0"/>
               <a:t>‹#›</a:t>
             </a:fld>
@@ -2438,7 +2438,7 @@
     </p:spTree>
     <p:extLst>
       <p:ext uri="{BB962C8B-B14F-4D97-AF65-F5344CB8AC3E}">
-        <p14:creationId xmlns:p14="http://schemas.microsoft.com/office/powerpoint/2010/main" val="3680599789"/>
+        <p14:creationId xmlns:p14="http://schemas.microsoft.com/office/powerpoint/2010/main" val="3388008130"/>
       </p:ext>
     </p:extLst>
   </p:cSld>
@@ -2470,7 +2470,7 @@
           <p:cNvPr id="2" name="标题 1">
             <a:extLst>
               <a:ext uri="{FF2B5EF4-FFF2-40B4-BE49-F238E27FC236}">
-                <a16:creationId xmlns:a16="http://schemas.microsoft.com/office/drawing/2014/main" id="{1AD3FBEA-E1BF-3E94-43EB-4B61DEEA2282}"/>
+                <a16:creationId xmlns:a16="http://schemas.microsoft.com/office/drawing/2014/main" id="{334399C4-1522-B471-3D2A-24D5EFDB99FA}"/>
               </a:ext>
             </a:extLst>
           </p:cNvPr>
@@ -2507,7 +2507,7 @@
           <p:cNvPr id="3" name="图片占位符 2">
             <a:extLst>
               <a:ext uri="{FF2B5EF4-FFF2-40B4-BE49-F238E27FC236}">
-                <a16:creationId xmlns:a16="http://schemas.microsoft.com/office/drawing/2014/main" id="{E6C1D8E5-00C0-F137-2A1B-9A18C0FBC0E3}"/>
+                <a16:creationId xmlns:a16="http://schemas.microsoft.com/office/drawing/2014/main" id="{C1A64FA1-063C-3D9F-E7F7-E2F930B469D9}"/>
               </a:ext>
             </a:extLst>
           </p:cNvPr>
@@ -2574,7 +2574,7 @@
           <p:cNvPr id="4" name="文本占位符 3">
             <a:extLst>
               <a:ext uri="{FF2B5EF4-FFF2-40B4-BE49-F238E27FC236}">
-                <a16:creationId xmlns:a16="http://schemas.microsoft.com/office/drawing/2014/main" id="{6F4282C4-F546-86C1-7656-EF24348283F7}"/>
+                <a16:creationId xmlns:a16="http://schemas.microsoft.com/office/drawing/2014/main" id="{FCFC6B5F-C00F-B9D5-DB16-1F5377696AD2}"/>
               </a:ext>
             </a:extLst>
           </p:cNvPr>
@@ -2645,7 +2645,7 @@
           <p:cNvPr id="5" name="日期占位符 4">
             <a:extLst>
               <a:ext uri="{FF2B5EF4-FFF2-40B4-BE49-F238E27FC236}">
-                <a16:creationId xmlns:a16="http://schemas.microsoft.com/office/drawing/2014/main" id="{3A7D7EB8-E427-413B-1F84-74AAFCB61214}"/>
+                <a16:creationId xmlns:a16="http://schemas.microsoft.com/office/drawing/2014/main" id="{D4255215-5411-EC39-FBA1-3EB425600A26}"/>
               </a:ext>
             </a:extLst>
           </p:cNvPr>
@@ -2661,7 +2661,7 @@
           <a:bodyPr/>
           <a:lstStyle/>
           <a:p>
-            <a:fld id="{251FFC51-3D56-4B53-9FE9-AE829B513619}" type="datetimeFigureOut">
+            <a:fld id="{71E8959C-B507-4B3E-B166-5F4502F0F44D}" type="datetimeFigureOut">
               <a:rPr lang="zh-CN" altLang="en-US" smtClean="0"/>
               <a:t>2024/3/10</a:t>
             </a:fld>
@@ -2674,7 +2674,7 @@
           <p:cNvPr id="6" name="页脚占位符 5">
             <a:extLst>
               <a:ext uri="{FF2B5EF4-FFF2-40B4-BE49-F238E27FC236}">
-                <a16:creationId xmlns:a16="http://schemas.microsoft.com/office/drawing/2014/main" id="{4EF90555-742E-9899-3D9B-41BA56EA5895}"/>
+                <a16:creationId xmlns:a16="http://schemas.microsoft.com/office/drawing/2014/main" id="{B7EE3F6F-DCCA-59AA-196D-848E07BE2C4D}"/>
               </a:ext>
             </a:extLst>
           </p:cNvPr>
@@ -2699,7 +2699,7 @@
           <p:cNvPr id="7" name="灯片编号占位符 6">
             <a:extLst>
               <a:ext uri="{FF2B5EF4-FFF2-40B4-BE49-F238E27FC236}">
-                <a16:creationId xmlns:a16="http://schemas.microsoft.com/office/drawing/2014/main" id="{89D419AD-0B98-D249-7366-49562BA00DC9}"/>
+                <a16:creationId xmlns:a16="http://schemas.microsoft.com/office/drawing/2014/main" id="{C0FD596A-9B97-7C22-CCD1-6E4BE44A2DE5}"/>
               </a:ext>
             </a:extLst>
           </p:cNvPr>
@@ -2715,7 +2715,7 @@
           <a:bodyPr/>
           <a:lstStyle/>
           <a:p>
-            <a:fld id="{5A4DB117-6D09-4B75-A057-379B1AF2AA00}" type="slidenum">
+            <a:fld id="{6D7E2541-BDFF-4BF9-B767-5408059D56C2}" type="slidenum">
               <a:rPr lang="zh-CN" altLang="en-US" smtClean="0"/>
               <a:t>‹#›</a:t>
             </a:fld>
@@ -2726,7 +2726,7 @@
     </p:spTree>
     <p:extLst>
       <p:ext uri="{BB962C8B-B14F-4D97-AF65-F5344CB8AC3E}">
-        <p14:creationId xmlns:p14="http://schemas.microsoft.com/office/powerpoint/2010/main" val="2488542088"/>
+        <p14:creationId xmlns:p14="http://schemas.microsoft.com/office/powerpoint/2010/main" val="4078334790"/>
       </p:ext>
     </p:extLst>
   </p:cSld>
@@ -2763,7 +2763,7 @@
           <p:cNvPr id="2" name="标题占位符 1">
             <a:extLst>
               <a:ext uri="{FF2B5EF4-FFF2-40B4-BE49-F238E27FC236}">
-                <a16:creationId xmlns:a16="http://schemas.microsoft.com/office/drawing/2014/main" id="{B42604E0-0F7D-88F0-2D86-64FB4C7CA291}"/>
+                <a16:creationId xmlns:a16="http://schemas.microsoft.com/office/drawing/2014/main" id="{6F940BE3-2D58-120C-63BD-031CD3197F8B}"/>
               </a:ext>
             </a:extLst>
           </p:cNvPr>
@@ -2801,7 +2801,7 @@
           <p:cNvPr id="3" name="文本占位符 2">
             <a:extLst>
               <a:ext uri="{FF2B5EF4-FFF2-40B4-BE49-F238E27FC236}">
-                <a16:creationId xmlns:a16="http://schemas.microsoft.com/office/drawing/2014/main" id="{129A02E5-30B0-C42B-EA06-FF85C3F03009}"/>
+                <a16:creationId xmlns:a16="http://schemas.microsoft.com/office/drawing/2014/main" id="{1E331797-4D32-FE34-36B9-4A519BF61336}"/>
               </a:ext>
             </a:extLst>
           </p:cNvPr>
@@ -2868,7 +2868,7 @@
           <p:cNvPr id="4" name="日期占位符 3">
             <a:extLst>
               <a:ext uri="{FF2B5EF4-FFF2-40B4-BE49-F238E27FC236}">
-                <a16:creationId xmlns:a16="http://schemas.microsoft.com/office/drawing/2014/main" id="{E31F2042-D9ED-68D8-42B0-7EC8BE233A78}"/>
+                <a16:creationId xmlns:a16="http://schemas.microsoft.com/office/drawing/2014/main" id="{7566D043-38F8-0262-1DEC-75D1B708A529}"/>
               </a:ext>
             </a:extLst>
           </p:cNvPr>
@@ -2902,7 +2902,7 @@
             </a:lvl1pPr>
           </a:lstStyle>
           <a:p>
-            <a:fld id="{251FFC51-3D56-4B53-9FE9-AE829B513619}" type="datetimeFigureOut">
+            <a:fld id="{71E8959C-B507-4B3E-B166-5F4502F0F44D}" type="datetimeFigureOut">
               <a:rPr lang="zh-CN" altLang="en-US" smtClean="0"/>
               <a:t>2024/3/10</a:t>
             </a:fld>
@@ -2915,7 +2915,7 @@
           <p:cNvPr id="5" name="页脚占位符 4">
             <a:extLst>
               <a:ext uri="{FF2B5EF4-FFF2-40B4-BE49-F238E27FC236}">
-                <a16:creationId xmlns:a16="http://schemas.microsoft.com/office/drawing/2014/main" id="{874FD54A-7B11-E006-C964-A3A46C01D8D9}"/>
+                <a16:creationId xmlns:a16="http://schemas.microsoft.com/office/drawing/2014/main" id="{E5091248-6047-7231-E1BB-58AC2E4E331F}"/>
               </a:ext>
             </a:extLst>
           </p:cNvPr>
@@ -2958,7 +2958,7 @@
           <p:cNvPr id="6" name="灯片编号占位符 5">
             <a:extLst>
               <a:ext uri="{FF2B5EF4-FFF2-40B4-BE49-F238E27FC236}">
-                <a16:creationId xmlns:a16="http://schemas.microsoft.com/office/drawing/2014/main" id="{F894AD43-6C08-C613-3D77-5C897227EE97}"/>
+                <a16:creationId xmlns:a16="http://schemas.microsoft.com/office/drawing/2014/main" id="{2651B823-2BAF-BC92-D1AD-B9DCABD461A4}"/>
               </a:ext>
             </a:extLst>
           </p:cNvPr>
@@ -2992,7 +2992,7 @@
             </a:lvl1pPr>
           </a:lstStyle>
           <a:p>
-            <a:fld id="{5A4DB117-6D09-4B75-A057-379B1AF2AA00}" type="slidenum">
+            <a:fld id="{6D7E2541-BDFF-4BF9-B767-5408059D56C2}" type="slidenum">
               <a:rPr lang="zh-CN" altLang="en-US" smtClean="0"/>
               <a:t>‹#›</a:t>
             </a:fld>
@@ -3003,7 +3003,7 @@
     </p:spTree>
     <p:extLst>
       <p:ext uri="{BB962C8B-B14F-4D97-AF65-F5344CB8AC3E}">
-        <p14:creationId xmlns:p14="http://schemas.microsoft.com/office/powerpoint/2010/main" val="2817850514"/>
+        <p14:creationId xmlns:p14="http://schemas.microsoft.com/office/powerpoint/2010/main" val="3894116363"/>
       </p:ext>
     </p:extLst>
   </p:cSld>
